--- a/pitchDeck/main.pptx
+++ b/pitchDeck/main.pptx
@@ -1706,7 +1706,7 @@
           </a:bodyPr>
           <a:p>
             <a:pPr algn="r"/>
-            <a:fld id="{6F51E42B-240C-448A-9961-EF3419F9B90F}" type="slidenum">
+            <a:fld id="{FD7424DA-B594-465C-8DA1-102194B3035E}" type="slidenum">
               <a:rPr b="0" lang="en-US" sz="1400" spc="-1" strike="noStrike">
                 <a:latin typeface="Times New Roman"/>
               </a:rPr>
